--- a/Homework/FinalProject/KhanSharjilFinalProject.pptx
+++ b/Homework/FinalProject/KhanSharjilFinalProject.pptx
@@ -7,14 +7,17 @@
   <p:sldIdLst>
     <p:sldId id="256" r:id="rId2"/>
     <p:sldId id="257" r:id="rId3"/>
-    <p:sldId id="258" r:id="rId4"/>
-    <p:sldId id="259" r:id="rId5"/>
+    <p:sldId id="259" r:id="rId4"/>
+    <p:sldId id="266" r:id="rId5"/>
     <p:sldId id="260" r:id="rId6"/>
-    <p:sldId id="261" r:id="rId7"/>
-    <p:sldId id="262" r:id="rId8"/>
-    <p:sldId id="263" r:id="rId9"/>
-    <p:sldId id="264" r:id="rId10"/>
-    <p:sldId id="265" r:id="rId11"/>
+    <p:sldId id="262" r:id="rId7"/>
+    <p:sldId id="267" r:id="rId8"/>
+    <p:sldId id="268" r:id="rId9"/>
+    <p:sldId id="269" r:id="rId10"/>
+    <p:sldId id="270" r:id="rId11"/>
+    <p:sldId id="271" r:id="rId12"/>
+    <p:sldId id="272" r:id="rId13"/>
+    <p:sldId id="265" r:id="rId14"/>
   </p:sldIdLst>
   <p:sldSz cx="12192000" cy="6858000"/>
   <p:notesSz cx="6858000" cy="9144000"/>
@@ -113,6 +116,11 @@
       </a:defRPr>
     </a:lvl9pPr>
   </p:defaultTextStyle>
+  <p:extLst>
+    <p:ext uri="{EFAFB233-063F-42B5-8137-9DF3F51BA10A}">
+      <p15:sldGuideLst xmlns:p15="http://schemas.microsoft.com/office/powerpoint/2012/main"/>
+    </p:ext>
+  </p:extLst>
 </p:presentation>
 </file>
 
@@ -519,7 +527,7 @@
           <a:p>
             <a:fld id="{92053A1B-301F-4314-8717-2EAAA53A3465}" type="datetimeFigureOut">
               <a:rPr lang="en-US" smtClean="0"/>
-              <a:t>12/17/2018</a:t>
+              <a:t>12/19/2018</a:t>
             </a:fld>
             <a:endParaRPr lang="en-US"/>
           </a:p>
@@ -698,7 +706,7 @@
           <a:p>
             <a:fld id="{92053A1B-301F-4314-8717-2EAAA53A3465}" type="datetimeFigureOut">
               <a:rPr lang="en-US" smtClean="0"/>
-              <a:t>12/17/2018</a:t>
+              <a:t>12/19/2018</a:t>
             </a:fld>
             <a:endParaRPr lang="en-US"/>
           </a:p>
@@ -878,7 +886,7 @@
           <a:p>
             <a:fld id="{92053A1B-301F-4314-8717-2EAAA53A3465}" type="datetimeFigureOut">
               <a:rPr lang="en-US" smtClean="0"/>
-              <a:t>12/17/2018</a:t>
+              <a:t>12/19/2018</a:t>
             </a:fld>
             <a:endParaRPr lang="en-US"/>
           </a:p>
@@ -1048,7 +1056,7 @@
           <a:p>
             <a:fld id="{92053A1B-301F-4314-8717-2EAAA53A3465}" type="datetimeFigureOut">
               <a:rPr lang="en-US" smtClean="0"/>
-              <a:t>12/17/2018</a:t>
+              <a:t>12/19/2018</a:t>
             </a:fld>
             <a:endParaRPr lang="en-US"/>
           </a:p>
@@ -1361,7 +1369,7 @@
           <a:p>
             <a:fld id="{92053A1B-301F-4314-8717-2EAAA53A3465}" type="datetimeFigureOut">
               <a:rPr lang="en-US" smtClean="0"/>
-              <a:t>12/17/2018</a:t>
+              <a:t>12/19/2018</a:t>
             </a:fld>
             <a:endParaRPr lang="en-US"/>
           </a:p>
@@ -1747,7 +1755,7 @@
           <a:p>
             <a:fld id="{92053A1B-301F-4314-8717-2EAAA53A3465}" type="datetimeFigureOut">
               <a:rPr lang="en-US" smtClean="0"/>
-              <a:t>12/17/2018</a:t>
+              <a:t>12/19/2018</a:t>
             </a:fld>
             <a:endParaRPr lang="en-US"/>
           </a:p>
@@ -2181,7 +2189,7 @@
           <a:p>
             <a:fld id="{92053A1B-301F-4314-8717-2EAAA53A3465}" type="datetimeFigureOut">
               <a:rPr lang="en-US" smtClean="0"/>
-              <a:t>12/17/2018</a:t>
+              <a:t>12/19/2018</a:t>
             </a:fld>
             <a:endParaRPr lang="en-US"/>
           </a:p>
@@ -2299,7 +2307,7 @@
           <a:p>
             <a:fld id="{92053A1B-301F-4314-8717-2EAAA53A3465}" type="datetimeFigureOut">
               <a:rPr lang="en-US" smtClean="0"/>
-              <a:t>12/17/2018</a:t>
+              <a:t>12/19/2018</a:t>
             </a:fld>
             <a:endParaRPr lang="en-US"/>
           </a:p>
@@ -2394,7 +2402,7 @@
           <a:p>
             <a:fld id="{92053A1B-301F-4314-8717-2EAAA53A3465}" type="datetimeFigureOut">
               <a:rPr lang="en-US" smtClean="0"/>
-              <a:t>12/17/2018</a:t>
+              <a:t>12/19/2018</a:t>
             </a:fld>
             <a:endParaRPr lang="en-US"/>
           </a:p>
@@ -2744,7 +2752,7 @@
           <a:p>
             <a:fld id="{92053A1B-301F-4314-8717-2EAAA53A3465}" type="datetimeFigureOut">
               <a:rPr lang="en-US" smtClean="0"/>
-              <a:t>12/17/2018</a:t>
+              <a:t>12/19/2018</a:t>
             </a:fld>
             <a:endParaRPr lang="en-US"/>
           </a:p>
@@ -3169,7 +3177,7 @@
           <a:p>
             <a:fld id="{92053A1B-301F-4314-8717-2EAAA53A3465}" type="datetimeFigureOut">
               <a:rPr lang="en-US" smtClean="0"/>
-              <a:t>12/17/2018</a:t>
+              <a:t>12/19/2018</a:t>
             </a:fld>
             <a:endParaRPr lang="en-US"/>
           </a:p>
@@ -3450,7 +3458,7 @@
           <a:p>
             <a:fld id="{92053A1B-301F-4314-8717-2EAAA53A3465}" type="datetimeFigureOut">
               <a:rPr lang="en-US" smtClean="0"/>
-              <a:t>12/17/2018</a:t>
+              <a:t>12/19/2018</a:t>
             </a:fld>
             <a:endParaRPr lang="en-US"/>
           </a:p>
@@ -4036,7 +4044,7 @@
           <p:cNvPr id="2" name="Title 1">
             <a:extLst>
               <a:ext uri="{FF2B5EF4-FFF2-40B4-BE49-F238E27FC236}">
-                <a16:creationId xmlns:a16="http://schemas.microsoft.com/office/drawing/2014/main" id="{35732236-463D-4A92-9CE8-3048CF0E9109}"/>
+                <a16:creationId xmlns:a16="http://schemas.microsoft.com/office/drawing/2014/main" xmlns="" id="{35732236-463D-4A92-9CE8-3048CF0E9109}"/>
               </a:ext>
             </a:extLst>
           </p:cNvPr>
@@ -4053,9 +4061,40 @@
           <a:lstStyle/>
           <a:p>
             <a:r>
-              <a:rPr lang="en-US" dirty="0"/>
-              <a:t>Final Project: Dog Breed Detection System</a:t>
-            </a:r>
+              <a:rPr lang="en-US" sz="4800" dirty="0" smtClean="0"/>
+              <a:t>CS 82 Final </a:t>
+            </a:r>
+            <a:r>
+              <a:rPr lang="en-US" sz="4800" dirty="0"/>
+              <a:t>Project: </a:t>
+            </a:r>
+            <a:r>
+              <a:rPr lang="en-US" sz="4800" dirty="0" smtClean="0"/>
+              <a:t/>
+            </a:r>
+            <a:br>
+              <a:rPr lang="en-US" sz="4800" dirty="0" smtClean="0"/>
+            </a:br>
+            <a:r>
+              <a:rPr lang="en-US" sz="4800" dirty="0" smtClean="0"/>
+              <a:t/>
+            </a:r>
+            <a:br>
+              <a:rPr lang="en-US" sz="4800" dirty="0" smtClean="0"/>
+            </a:br>
+            <a:r>
+              <a:rPr lang="en-US" sz="4800" dirty="0" smtClean="0"/>
+              <a:t>Dog </a:t>
+            </a:r>
+            <a:r>
+              <a:rPr lang="en-US" sz="4800" dirty="0"/>
+              <a:t>Breed </a:t>
+            </a:r>
+            <a:r>
+              <a:rPr lang="en-US" sz="4800" dirty="0" smtClean="0"/>
+              <a:t>Detection USING CNN AND TRANSFER LEARNING</a:t>
+            </a:r>
+            <a:endParaRPr lang="en-US" sz="4800" dirty="0"/>
           </a:p>
         </p:txBody>
       </p:sp>
@@ -4064,7 +4103,7 @@
           <p:cNvPr id="3" name="Subtitle 2">
             <a:extLst>
               <a:ext uri="{FF2B5EF4-FFF2-40B4-BE49-F238E27FC236}">
-                <a16:creationId xmlns:a16="http://schemas.microsoft.com/office/drawing/2014/main" id="{5336302C-80B9-4D72-AE27-501B941C63D9}"/>
+                <a16:creationId xmlns:a16="http://schemas.microsoft.com/office/drawing/2014/main" xmlns="" id="{5336302C-80B9-4D72-AE27-501B941C63D9}"/>
               </a:ext>
             </a:extLst>
           </p:cNvPr>
@@ -4122,7 +4161,7 @@
           <p:cNvPr id="2" name="Title 1">
             <a:extLst>
               <a:ext uri="{FF2B5EF4-FFF2-40B4-BE49-F238E27FC236}">
-                <a16:creationId xmlns:a16="http://schemas.microsoft.com/office/drawing/2014/main" id="{7B9FFED0-4A41-40A0-A9C7-87FA1096FC14}"/>
+                <a16:creationId xmlns:a16="http://schemas.microsoft.com/office/drawing/2014/main" xmlns="" id="{993EF7AE-C2B1-4A37-B703-D77DF16B43E9}"/>
               </a:ext>
             </a:extLst>
           </p:cNvPr>
@@ -4135,13 +4174,16 @@
         </p:nvSpPr>
         <p:spPr/>
         <p:txBody>
-          <a:bodyPr/>
-          <a:lstStyle/>
-          <a:p>
-            <a:r>
-              <a:rPr lang="en-US" dirty="0"/>
-              <a:t>Conclusion</a:t>
-            </a:r>
+          <a:bodyPr>
+            <a:normAutofit/>
+          </a:bodyPr>
+          <a:lstStyle/>
+          <a:p>
+            <a:r>
+              <a:rPr lang="en-US" sz="2800" dirty="0" smtClean="0"/>
+              <a:t>Pre-trained MODEL WITH 115 DOG BREEDS</a:t>
+            </a:r>
+            <a:endParaRPr lang="en-US" sz="2800" dirty="0"/>
           </a:p>
         </p:txBody>
       </p:sp>
@@ -4150,7 +4192,265 @@
           <p:cNvPr id="3" name="Content Placeholder 2">
             <a:extLst>
               <a:ext uri="{FF2B5EF4-FFF2-40B4-BE49-F238E27FC236}">
-                <a16:creationId xmlns:a16="http://schemas.microsoft.com/office/drawing/2014/main" id="{FC1DAB3C-71CC-4877-8C69-44D54B8667E2}"/>
+                <a16:creationId xmlns:a16="http://schemas.microsoft.com/office/drawing/2014/main" xmlns="" id="{6192631C-5B3B-4E58-86C2-4CE87B149FB4}"/>
+              </a:ext>
+            </a:extLst>
+          </p:cNvPr>
+          <p:cNvSpPr>
+            <a:spLocks noGrp="1"/>
+          </p:cNvSpPr>
+          <p:nvPr>
+            <p:ph idx="1"/>
+          </p:nvPr>
+        </p:nvSpPr>
+        <p:spPr/>
+        <p:txBody>
+          <a:bodyPr/>
+          <a:lstStyle/>
+          <a:p>
+            <a:endParaRPr lang="en-US" dirty="0"/>
+          </a:p>
+        </p:txBody>
+      </p:sp>
+    </p:spTree>
+    <p:extLst>
+      <p:ext uri="{BB962C8B-B14F-4D97-AF65-F5344CB8AC3E}">
+        <p14:creationId xmlns:p14="http://schemas.microsoft.com/office/powerpoint/2010/main" val="1601450"/>
+      </p:ext>
+    </p:extLst>
+  </p:cSld>
+  <p:clrMapOvr>
+    <a:masterClrMapping/>
+  </p:clrMapOvr>
+</p:sld>
+</file>
+
+<file path=ppt/slides/slide11.xml><?xml version="1.0" encoding="utf-8"?>
+<p:sld xmlns:a="http://schemas.openxmlformats.org/drawingml/2006/main" xmlns:r="http://schemas.openxmlformats.org/officeDocument/2006/relationships" xmlns:p="http://schemas.openxmlformats.org/presentationml/2006/main">
+  <p:cSld>
+    <p:spTree>
+      <p:nvGrpSpPr>
+        <p:cNvPr id="1" name=""/>
+        <p:cNvGrpSpPr/>
+        <p:nvPr/>
+      </p:nvGrpSpPr>
+      <p:grpSpPr>
+        <a:xfrm>
+          <a:off x="0" y="0"/>
+          <a:ext cx="0" cy="0"/>
+          <a:chOff x="0" y="0"/>
+          <a:chExt cx="0" cy="0"/>
+        </a:xfrm>
+      </p:grpSpPr>
+      <p:sp>
+        <p:nvSpPr>
+          <p:cNvPr id="2" name="Title 1">
+            <a:extLst>
+              <a:ext uri="{FF2B5EF4-FFF2-40B4-BE49-F238E27FC236}">
+                <a16:creationId xmlns:a16="http://schemas.microsoft.com/office/drawing/2014/main" xmlns="" id="{993EF7AE-C2B1-4A37-B703-D77DF16B43E9}"/>
+              </a:ext>
+            </a:extLst>
+          </p:cNvPr>
+          <p:cNvSpPr>
+            <a:spLocks noGrp="1"/>
+          </p:cNvSpPr>
+          <p:nvPr>
+            <p:ph type="title"/>
+          </p:nvPr>
+        </p:nvSpPr>
+        <p:spPr/>
+        <p:txBody>
+          <a:bodyPr>
+            <a:normAutofit/>
+          </a:bodyPr>
+          <a:lstStyle/>
+          <a:p>
+            <a:r>
+              <a:rPr lang="en-US" sz="2800" dirty="0" smtClean="0"/>
+              <a:t>MODEL BEGINS TO OVERFIT</a:t>
+            </a:r>
+            <a:endParaRPr lang="en-US" sz="2800" dirty="0"/>
+          </a:p>
+        </p:txBody>
+      </p:sp>
+      <p:sp>
+        <p:nvSpPr>
+          <p:cNvPr id="3" name="Content Placeholder 2">
+            <a:extLst>
+              <a:ext uri="{FF2B5EF4-FFF2-40B4-BE49-F238E27FC236}">
+                <a16:creationId xmlns:a16="http://schemas.microsoft.com/office/drawing/2014/main" xmlns="" id="{6192631C-5B3B-4E58-86C2-4CE87B149FB4}"/>
+              </a:ext>
+            </a:extLst>
+          </p:cNvPr>
+          <p:cNvSpPr>
+            <a:spLocks noGrp="1"/>
+          </p:cNvSpPr>
+          <p:nvPr>
+            <p:ph idx="1"/>
+          </p:nvPr>
+        </p:nvSpPr>
+        <p:spPr/>
+        <p:txBody>
+          <a:bodyPr/>
+          <a:lstStyle/>
+          <a:p>
+            <a:endParaRPr lang="en-US" dirty="0"/>
+          </a:p>
+        </p:txBody>
+      </p:sp>
+    </p:spTree>
+    <p:extLst>
+      <p:ext uri="{BB962C8B-B14F-4D97-AF65-F5344CB8AC3E}">
+        <p14:creationId xmlns:p14="http://schemas.microsoft.com/office/powerpoint/2010/main" val="3673062063"/>
+      </p:ext>
+    </p:extLst>
+  </p:cSld>
+  <p:clrMapOvr>
+    <a:masterClrMapping/>
+  </p:clrMapOvr>
+</p:sld>
+</file>
+
+<file path=ppt/slides/slide12.xml><?xml version="1.0" encoding="utf-8"?>
+<p:sld xmlns:a="http://schemas.openxmlformats.org/drawingml/2006/main" xmlns:r="http://schemas.openxmlformats.org/officeDocument/2006/relationships" xmlns:p="http://schemas.openxmlformats.org/presentationml/2006/main">
+  <p:cSld>
+    <p:spTree>
+      <p:nvGrpSpPr>
+        <p:cNvPr id="1" name=""/>
+        <p:cNvGrpSpPr/>
+        <p:nvPr/>
+      </p:nvGrpSpPr>
+      <p:grpSpPr>
+        <a:xfrm>
+          <a:off x="0" y="0"/>
+          <a:ext cx="0" cy="0"/>
+          <a:chOff x="0" y="0"/>
+          <a:chExt cx="0" cy="0"/>
+        </a:xfrm>
+      </p:grpSpPr>
+      <p:sp>
+        <p:nvSpPr>
+          <p:cNvPr id="2" name="Title 1">
+            <a:extLst>
+              <a:ext uri="{FF2B5EF4-FFF2-40B4-BE49-F238E27FC236}">
+                <a16:creationId xmlns:a16="http://schemas.microsoft.com/office/drawing/2014/main" xmlns="" id="{993EF7AE-C2B1-4A37-B703-D77DF16B43E9}"/>
+              </a:ext>
+            </a:extLst>
+          </p:cNvPr>
+          <p:cNvSpPr>
+            <a:spLocks noGrp="1"/>
+          </p:cNvSpPr>
+          <p:nvPr>
+            <p:ph type="title"/>
+          </p:nvPr>
+        </p:nvSpPr>
+        <p:spPr/>
+        <p:txBody>
+          <a:bodyPr>
+            <a:normAutofit/>
+          </a:bodyPr>
+          <a:lstStyle/>
+          <a:p>
+            <a:r>
+              <a:rPr lang="en-US" sz="2800" dirty="0" smtClean="0"/>
+              <a:t>115 DOG BREEDS WITH PARTIALLY PRE-TRAINED MODELS</a:t>
+            </a:r>
+            <a:endParaRPr lang="en-US" sz="2800" dirty="0"/>
+          </a:p>
+        </p:txBody>
+      </p:sp>
+      <p:sp>
+        <p:nvSpPr>
+          <p:cNvPr id="3" name="Content Placeholder 2">
+            <a:extLst>
+              <a:ext uri="{FF2B5EF4-FFF2-40B4-BE49-F238E27FC236}">
+                <a16:creationId xmlns:a16="http://schemas.microsoft.com/office/drawing/2014/main" xmlns="" id="{6192631C-5B3B-4E58-86C2-4CE87B149FB4}"/>
+              </a:ext>
+            </a:extLst>
+          </p:cNvPr>
+          <p:cNvSpPr>
+            <a:spLocks noGrp="1"/>
+          </p:cNvSpPr>
+          <p:nvPr>
+            <p:ph idx="1"/>
+          </p:nvPr>
+        </p:nvSpPr>
+        <p:spPr/>
+        <p:txBody>
+          <a:bodyPr/>
+          <a:lstStyle/>
+          <a:p>
+            <a:endParaRPr lang="en-US" dirty="0"/>
+          </a:p>
+        </p:txBody>
+      </p:sp>
+    </p:spTree>
+    <p:extLst>
+      <p:ext uri="{BB962C8B-B14F-4D97-AF65-F5344CB8AC3E}">
+        <p14:creationId xmlns:p14="http://schemas.microsoft.com/office/powerpoint/2010/main" val="3964759337"/>
+      </p:ext>
+    </p:extLst>
+  </p:cSld>
+  <p:clrMapOvr>
+    <a:masterClrMapping/>
+  </p:clrMapOvr>
+</p:sld>
+</file>
+
+<file path=ppt/slides/slide13.xml><?xml version="1.0" encoding="utf-8"?>
+<p:sld xmlns:a="http://schemas.openxmlformats.org/drawingml/2006/main" xmlns:r="http://schemas.openxmlformats.org/officeDocument/2006/relationships" xmlns:p="http://schemas.openxmlformats.org/presentationml/2006/main">
+  <p:cSld>
+    <p:spTree>
+      <p:nvGrpSpPr>
+        <p:cNvPr id="1" name=""/>
+        <p:cNvGrpSpPr/>
+        <p:nvPr/>
+      </p:nvGrpSpPr>
+      <p:grpSpPr>
+        <a:xfrm>
+          <a:off x="0" y="0"/>
+          <a:ext cx="0" cy="0"/>
+          <a:chOff x="0" y="0"/>
+          <a:chExt cx="0" cy="0"/>
+        </a:xfrm>
+      </p:grpSpPr>
+      <p:sp>
+        <p:nvSpPr>
+          <p:cNvPr id="2" name="Title 1">
+            <a:extLst>
+              <a:ext uri="{FF2B5EF4-FFF2-40B4-BE49-F238E27FC236}">
+                <a16:creationId xmlns:a16="http://schemas.microsoft.com/office/drawing/2014/main" xmlns="" id="{7B9FFED0-4A41-40A0-A9C7-87FA1096FC14}"/>
+              </a:ext>
+            </a:extLst>
+          </p:cNvPr>
+          <p:cNvSpPr>
+            <a:spLocks noGrp="1"/>
+          </p:cNvSpPr>
+          <p:nvPr>
+            <p:ph type="title"/>
+          </p:nvPr>
+        </p:nvSpPr>
+        <p:spPr/>
+        <p:txBody>
+          <a:bodyPr>
+            <a:normAutofit/>
+          </a:bodyPr>
+          <a:lstStyle/>
+          <a:p>
+            <a:r>
+              <a:rPr lang="en-US" sz="2800" dirty="0" smtClean="0"/>
+              <a:t>SUMMARY OF RESULTS AND MODELS USED</a:t>
+            </a:r>
+            <a:endParaRPr lang="en-US" sz="2800" dirty="0"/>
+          </a:p>
+        </p:txBody>
+      </p:sp>
+      <p:sp>
+        <p:nvSpPr>
+          <p:cNvPr id="3" name="Content Placeholder 2">
+            <a:extLst>
+              <a:ext uri="{FF2B5EF4-FFF2-40B4-BE49-F238E27FC236}">
+                <a16:creationId xmlns:a16="http://schemas.microsoft.com/office/drawing/2014/main" xmlns="" id="{FC1DAB3C-71CC-4877-8C69-44D54B8667E2}"/>
               </a:ext>
             </a:extLst>
           </p:cNvPr>
@@ -4205,7 +4505,7 @@
           <p:cNvPr id="2" name="Title 1">
             <a:extLst>
               <a:ext uri="{FF2B5EF4-FFF2-40B4-BE49-F238E27FC236}">
-                <a16:creationId xmlns:a16="http://schemas.microsoft.com/office/drawing/2014/main" id="{9FA4EDE4-FC77-48DA-8FD4-4DA509276B06}"/>
+                <a16:creationId xmlns:a16="http://schemas.microsoft.com/office/drawing/2014/main" xmlns="" id="{9FA4EDE4-FC77-48DA-8FD4-4DA509276B06}"/>
               </a:ext>
             </a:extLst>
           </p:cNvPr>
@@ -4218,13 +4518,16 @@
         </p:nvSpPr>
         <p:spPr/>
         <p:txBody>
-          <a:bodyPr/>
-          <a:lstStyle/>
-          <a:p>
-            <a:r>
-              <a:rPr lang="en-US" dirty="0"/>
-              <a:t>The Scope of the Project</a:t>
-            </a:r>
+          <a:bodyPr>
+            <a:normAutofit/>
+          </a:bodyPr>
+          <a:lstStyle/>
+          <a:p>
+            <a:r>
+              <a:rPr lang="en-US" sz="2800" dirty="0" smtClean="0"/>
+              <a:t>METHODS USED TO PREPARE THE DATA</a:t>
+            </a:r>
+            <a:endParaRPr lang="en-US" sz="2800" dirty="0"/>
           </a:p>
         </p:txBody>
       </p:sp>
@@ -4233,7 +4536,7 @@
           <p:cNvPr id="3" name="Content Placeholder 2">
             <a:extLst>
               <a:ext uri="{FF2B5EF4-FFF2-40B4-BE49-F238E27FC236}">
-                <a16:creationId xmlns:a16="http://schemas.microsoft.com/office/drawing/2014/main" id="{D184AF6E-07BC-4497-BA61-4A1D2DBA013F}"/>
+                <a16:creationId xmlns:a16="http://schemas.microsoft.com/office/drawing/2014/main" xmlns="" id="{D184AF6E-07BC-4497-BA61-4A1D2DBA013F}"/>
               </a:ext>
             </a:extLst>
           </p:cNvPr>
@@ -4249,7 +4552,7 @@
           <a:bodyPr/>
           <a:lstStyle/>
           <a:p>
-            <a:endParaRPr lang="en-US"/>
+            <a:endParaRPr lang="en-US" dirty="0"/>
           </a:p>
         </p:txBody>
       </p:sp>
@@ -4288,7 +4591,7 @@
           <p:cNvPr id="2" name="Title 1">
             <a:extLst>
               <a:ext uri="{FF2B5EF4-FFF2-40B4-BE49-F238E27FC236}">
-                <a16:creationId xmlns:a16="http://schemas.microsoft.com/office/drawing/2014/main" id="{8DE7ED9E-8678-474F-9B4D-9CEE54328534}"/>
+                <a16:creationId xmlns:a16="http://schemas.microsoft.com/office/drawing/2014/main" xmlns="" id="{3EDC089C-3301-4F9B-B5D7-DA1335209455}"/>
               </a:ext>
             </a:extLst>
           </p:cNvPr>
@@ -4301,12 +4604,14 @@
         </p:nvSpPr>
         <p:spPr/>
         <p:txBody>
-          <a:bodyPr/>
-          <a:lstStyle/>
-          <a:p>
-            <a:r>
-              <a:rPr lang="en-US" dirty="0"/>
-              <a:t>Initial Look at the Data</a:t>
+          <a:bodyPr>
+            <a:normAutofit/>
+          </a:bodyPr>
+          <a:lstStyle/>
+          <a:p>
+            <a:r>
+              <a:rPr lang="en-US" sz="2800" dirty="0"/>
+              <a:t>Methods Used to Prepare the Data</a:t>
             </a:r>
           </a:p>
         </p:txBody>
@@ -4316,7 +4621,7 @@
           <p:cNvPr id="3" name="Content Placeholder 2">
             <a:extLst>
               <a:ext uri="{FF2B5EF4-FFF2-40B4-BE49-F238E27FC236}">
-                <a16:creationId xmlns:a16="http://schemas.microsoft.com/office/drawing/2014/main" id="{EED4B930-478F-4446-B2A0-C383A75E97EE}"/>
+                <a16:creationId xmlns:a16="http://schemas.microsoft.com/office/drawing/2014/main" xmlns="" id="{8C90AF73-AB0F-4F67-8870-D09EB2EAD35C}"/>
               </a:ext>
             </a:extLst>
           </p:cNvPr>
@@ -4332,14 +4637,36 @@
           <a:bodyPr/>
           <a:lstStyle/>
           <a:p>
-            <a:endParaRPr lang="en-US"/>
+            <a:r>
+              <a:rPr lang="en-US" dirty="0" smtClean="0"/>
+              <a:t>Open CV zoom</a:t>
+            </a:r>
+          </a:p>
+          <a:p>
+            <a:r>
+              <a:rPr lang="en-US" dirty="0" smtClean="0"/>
+              <a:t>Color Filtering</a:t>
+            </a:r>
+          </a:p>
+          <a:p>
+            <a:r>
+              <a:rPr lang="en-US" dirty="0" smtClean="0"/>
+              <a:t>Resize</a:t>
+            </a:r>
+          </a:p>
+          <a:p>
+            <a:r>
+              <a:rPr lang="en-US" dirty="0" err="1" smtClean="0"/>
+              <a:t>Datagen</a:t>
+            </a:r>
+            <a:endParaRPr lang="en-US" dirty="0" smtClean="0"/>
           </a:p>
         </p:txBody>
       </p:sp>
     </p:spTree>
     <p:extLst>
       <p:ext uri="{BB962C8B-B14F-4D97-AF65-F5344CB8AC3E}">
-        <p14:creationId xmlns:p14="http://schemas.microsoft.com/office/powerpoint/2010/main" val="3626165257"/>
+        <p14:creationId xmlns:p14="http://schemas.microsoft.com/office/powerpoint/2010/main" val="999272262"/>
       </p:ext>
     </p:extLst>
   </p:cSld>
@@ -4371,7 +4698,7 @@
           <p:cNvPr id="2" name="Title 1">
             <a:extLst>
               <a:ext uri="{FF2B5EF4-FFF2-40B4-BE49-F238E27FC236}">
-                <a16:creationId xmlns:a16="http://schemas.microsoft.com/office/drawing/2014/main" id="{3EDC089C-3301-4F9B-B5D7-DA1335209455}"/>
+                <a16:creationId xmlns:a16="http://schemas.microsoft.com/office/drawing/2014/main" xmlns="" id="{048E6D79-C329-4445-99BE-06EFAE6007F4}"/>
               </a:ext>
             </a:extLst>
           </p:cNvPr>
@@ -4384,13 +4711,16 @@
         </p:nvSpPr>
         <p:spPr/>
         <p:txBody>
-          <a:bodyPr/>
-          <a:lstStyle/>
-          <a:p>
-            <a:r>
-              <a:rPr lang="en-US" dirty="0"/>
-              <a:t>Methods Used to Prepare the Data</a:t>
-            </a:r>
+          <a:bodyPr>
+            <a:normAutofit/>
+          </a:bodyPr>
+          <a:lstStyle/>
+          <a:p>
+            <a:r>
+              <a:rPr lang="en-US" sz="2800" dirty="0" smtClean="0"/>
+              <a:t>General Approach TO SOLVE THE PROBLEM</a:t>
+            </a:r>
+            <a:endParaRPr lang="en-US" sz="2800" dirty="0"/>
           </a:p>
         </p:txBody>
       </p:sp>
@@ -4399,7 +4729,7 @@
           <p:cNvPr id="3" name="Content Placeholder 2">
             <a:extLst>
               <a:ext uri="{FF2B5EF4-FFF2-40B4-BE49-F238E27FC236}">
-                <a16:creationId xmlns:a16="http://schemas.microsoft.com/office/drawing/2014/main" id="{8C90AF73-AB0F-4F67-8870-D09EB2EAD35C}"/>
+                <a16:creationId xmlns:a16="http://schemas.microsoft.com/office/drawing/2014/main" xmlns="" id="{E3307690-2C94-4420-AB5C-CF366A400542}"/>
               </a:ext>
             </a:extLst>
           </p:cNvPr>
@@ -4422,7 +4752,7 @@
     </p:spTree>
     <p:extLst>
       <p:ext uri="{BB962C8B-B14F-4D97-AF65-F5344CB8AC3E}">
-        <p14:creationId xmlns:p14="http://schemas.microsoft.com/office/powerpoint/2010/main" val="999272262"/>
+        <p14:creationId xmlns:p14="http://schemas.microsoft.com/office/powerpoint/2010/main" val="2458920288"/>
       </p:ext>
     </p:extLst>
   </p:cSld>
@@ -4454,7 +4784,7 @@
           <p:cNvPr id="2" name="Title 1">
             <a:extLst>
               <a:ext uri="{FF2B5EF4-FFF2-40B4-BE49-F238E27FC236}">
-                <a16:creationId xmlns:a16="http://schemas.microsoft.com/office/drawing/2014/main" id="{0FCC0939-C62E-4077-BC1C-65E209B3CBBD}"/>
+                <a16:creationId xmlns:a16="http://schemas.microsoft.com/office/drawing/2014/main" xmlns="" id="{0FCC0939-C62E-4077-BC1C-65E209B3CBBD}"/>
               </a:ext>
             </a:extLst>
           </p:cNvPr>
@@ -4467,11 +4797,13 @@
         </p:nvSpPr>
         <p:spPr/>
         <p:txBody>
-          <a:bodyPr/>
-          <a:lstStyle/>
-          <a:p>
-            <a:r>
-              <a:rPr lang="en-US" dirty="0"/>
+          <a:bodyPr>
+            <a:normAutofit/>
+          </a:bodyPr>
+          <a:lstStyle/>
+          <a:p>
+            <a:r>
+              <a:rPr lang="en-US" sz="2800" dirty="0"/>
               <a:t>Models Used</a:t>
             </a:r>
           </a:p>
@@ -4482,7 +4814,7 @@
           <p:cNvPr id="3" name="Content Placeholder 2">
             <a:extLst>
               <a:ext uri="{FF2B5EF4-FFF2-40B4-BE49-F238E27FC236}">
-                <a16:creationId xmlns:a16="http://schemas.microsoft.com/office/drawing/2014/main" id="{A3C0EC3A-9DF2-469B-A3A2-CD931F48F15C}"/>
+                <a16:creationId xmlns:a16="http://schemas.microsoft.com/office/drawing/2014/main" xmlns="" id="{A3C0EC3A-9DF2-469B-A3A2-CD931F48F15C}"/>
               </a:ext>
             </a:extLst>
           </p:cNvPr>
@@ -4537,7 +4869,7 @@
           <p:cNvPr id="2" name="Title 1">
             <a:extLst>
               <a:ext uri="{FF2B5EF4-FFF2-40B4-BE49-F238E27FC236}">
-                <a16:creationId xmlns:a16="http://schemas.microsoft.com/office/drawing/2014/main" id="{048E6D79-C329-4445-99BE-06EFAE6007F4}"/>
+                <a16:creationId xmlns:a16="http://schemas.microsoft.com/office/drawing/2014/main" xmlns="" id="{993EF7AE-C2B1-4A37-B703-D77DF16B43E9}"/>
               </a:ext>
             </a:extLst>
           </p:cNvPr>
@@ -4550,13 +4882,16 @@
         </p:nvSpPr>
         <p:spPr/>
         <p:txBody>
-          <a:bodyPr/>
-          <a:lstStyle/>
-          <a:p>
-            <a:r>
-              <a:rPr lang="en-US" dirty="0"/>
-              <a:t>Another simple approach used.</a:t>
-            </a:r>
+          <a:bodyPr>
+            <a:normAutofit/>
+          </a:bodyPr>
+          <a:lstStyle/>
+          <a:p>
+            <a:r>
+              <a:rPr lang="en-US" sz="2800" dirty="0" smtClean="0"/>
+              <a:t>Results with Just 8 dog Breeds</a:t>
+            </a:r>
+            <a:endParaRPr lang="en-US" sz="2800" dirty="0"/>
           </a:p>
         </p:txBody>
       </p:sp>
@@ -4565,7 +4900,7 @@
           <p:cNvPr id="3" name="Content Placeholder 2">
             <a:extLst>
               <a:ext uri="{FF2B5EF4-FFF2-40B4-BE49-F238E27FC236}">
-                <a16:creationId xmlns:a16="http://schemas.microsoft.com/office/drawing/2014/main" id="{E3307690-2C94-4420-AB5C-CF366A400542}"/>
+                <a16:creationId xmlns:a16="http://schemas.microsoft.com/office/drawing/2014/main" xmlns="" id="{6192631C-5B3B-4E58-86C2-4CE87B149FB4}"/>
               </a:ext>
             </a:extLst>
           </p:cNvPr>
@@ -4581,14 +4916,14 @@
           <a:bodyPr/>
           <a:lstStyle/>
           <a:p>
-            <a:endParaRPr lang="en-US"/>
+            <a:endParaRPr lang="en-US" dirty="0"/>
           </a:p>
         </p:txBody>
       </p:sp>
     </p:spTree>
     <p:extLst>
       <p:ext uri="{BB962C8B-B14F-4D97-AF65-F5344CB8AC3E}">
-        <p14:creationId xmlns:p14="http://schemas.microsoft.com/office/powerpoint/2010/main" val="2622231823"/>
+        <p14:creationId xmlns:p14="http://schemas.microsoft.com/office/powerpoint/2010/main" val="3551920251"/>
       </p:ext>
     </p:extLst>
   </p:cSld>
@@ -4620,7 +4955,7 @@
           <p:cNvPr id="2" name="Title 1">
             <a:extLst>
               <a:ext uri="{FF2B5EF4-FFF2-40B4-BE49-F238E27FC236}">
-                <a16:creationId xmlns:a16="http://schemas.microsoft.com/office/drawing/2014/main" id="{993EF7AE-C2B1-4A37-B703-D77DF16B43E9}"/>
+                <a16:creationId xmlns:a16="http://schemas.microsoft.com/office/drawing/2014/main" xmlns="" id="{993EF7AE-C2B1-4A37-B703-D77DF16B43E9}"/>
               </a:ext>
             </a:extLst>
           </p:cNvPr>
@@ -4633,13 +4968,16 @@
         </p:nvSpPr>
         <p:spPr/>
         <p:txBody>
-          <a:bodyPr/>
-          <a:lstStyle/>
-          <a:p>
-            <a:r>
-              <a:rPr lang="en-US" dirty="0"/>
-              <a:t>Transfer Learning </a:t>
-            </a:r>
+          <a:bodyPr>
+            <a:normAutofit/>
+          </a:bodyPr>
+          <a:lstStyle/>
+          <a:p>
+            <a:r>
+              <a:rPr lang="en-US" sz="2800" dirty="0" smtClean="0"/>
+              <a:t>Results with Just 16 dog Breeds</a:t>
+            </a:r>
+            <a:endParaRPr lang="en-US" sz="2800" dirty="0"/>
           </a:p>
         </p:txBody>
       </p:sp>
@@ -4648,7 +4986,7 @@
           <p:cNvPr id="3" name="Content Placeholder 2">
             <a:extLst>
               <a:ext uri="{FF2B5EF4-FFF2-40B4-BE49-F238E27FC236}">
-                <a16:creationId xmlns:a16="http://schemas.microsoft.com/office/drawing/2014/main" id="{6192631C-5B3B-4E58-86C2-4CE87B149FB4}"/>
+                <a16:creationId xmlns:a16="http://schemas.microsoft.com/office/drawing/2014/main" xmlns="" id="{6192631C-5B3B-4E58-86C2-4CE87B149FB4}"/>
               </a:ext>
             </a:extLst>
           </p:cNvPr>
@@ -4664,14 +5002,14 @@
           <a:bodyPr/>
           <a:lstStyle/>
           <a:p>
-            <a:endParaRPr lang="en-US"/>
+            <a:endParaRPr lang="en-US" dirty="0"/>
           </a:p>
         </p:txBody>
       </p:sp>
     </p:spTree>
     <p:extLst>
       <p:ext uri="{BB962C8B-B14F-4D97-AF65-F5344CB8AC3E}">
-        <p14:creationId xmlns:p14="http://schemas.microsoft.com/office/powerpoint/2010/main" val="3551920251"/>
+        <p14:creationId xmlns:p14="http://schemas.microsoft.com/office/powerpoint/2010/main" val="3162136478"/>
       </p:ext>
     </p:extLst>
   </p:cSld>
@@ -4703,7 +5041,7 @@
           <p:cNvPr id="2" name="Title 1">
             <a:extLst>
               <a:ext uri="{FF2B5EF4-FFF2-40B4-BE49-F238E27FC236}">
-                <a16:creationId xmlns:a16="http://schemas.microsoft.com/office/drawing/2014/main" id="{3FB977BB-85DB-471A-B932-E6D860BB5125}"/>
+                <a16:creationId xmlns:a16="http://schemas.microsoft.com/office/drawing/2014/main" xmlns="" id="{993EF7AE-C2B1-4A37-B703-D77DF16B43E9}"/>
               </a:ext>
             </a:extLst>
           </p:cNvPr>
@@ -4716,13 +5054,16 @@
         </p:nvSpPr>
         <p:spPr/>
         <p:txBody>
-          <a:bodyPr/>
-          <a:lstStyle/>
-          <a:p>
-            <a:r>
-              <a:rPr lang="en-US" dirty="0"/>
-              <a:t>Overall Results:</a:t>
-            </a:r>
+          <a:bodyPr>
+            <a:normAutofit/>
+          </a:bodyPr>
+          <a:lstStyle/>
+          <a:p>
+            <a:r>
+              <a:rPr lang="en-US" sz="2800" dirty="0" smtClean="0"/>
+              <a:t>Results with Just 32 dog Breeds</a:t>
+            </a:r>
+            <a:endParaRPr lang="en-US" sz="2800" dirty="0"/>
           </a:p>
         </p:txBody>
       </p:sp>
@@ -4731,7 +5072,7 @@
           <p:cNvPr id="3" name="Content Placeholder 2">
             <a:extLst>
               <a:ext uri="{FF2B5EF4-FFF2-40B4-BE49-F238E27FC236}">
-                <a16:creationId xmlns:a16="http://schemas.microsoft.com/office/drawing/2014/main" id="{5B51328E-569F-40C2-9AA6-6AD22A09A3A7}"/>
+                <a16:creationId xmlns:a16="http://schemas.microsoft.com/office/drawing/2014/main" xmlns="" id="{6192631C-5B3B-4E58-86C2-4CE87B149FB4}"/>
               </a:ext>
             </a:extLst>
           </p:cNvPr>
@@ -4747,14 +5088,14 @@
           <a:bodyPr/>
           <a:lstStyle/>
           <a:p>
-            <a:endParaRPr lang="en-US"/>
+            <a:endParaRPr lang="en-US" dirty="0"/>
           </a:p>
         </p:txBody>
       </p:sp>
     </p:spTree>
     <p:extLst>
       <p:ext uri="{BB962C8B-B14F-4D97-AF65-F5344CB8AC3E}">
-        <p14:creationId xmlns:p14="http://schemas.microsoft.com/office/powerpoint/2010/main" val="502538146"/>
+        <p14:creationId xmlns:p14="http://schemas.microsoft.com/office/powerpoint/2010/main" val="2101579238"/>
       </p:ext>
     </p:extLst>
   </p:cSld>
@@ -4786,7 +5127,7 @@
           <p:cNvPr id="2" name="Title 1">
             <a:extLst>
               <a:ext uri="{FF2B5EF4-FFF2-40B4-BE49-F238E27FC236}">
-                <a16:creationId xmlns:a16="http://schemas.microsoft.com/office/drawing/2014/main" id="{FCD48C05-A42A-415A-9DD7-D149D5DF3DE1}"/>
+                <a16:creationId xmlns:a16="http://schemas.microsoft.com/office/drawing/2014/main" xmlns="" id="{993EF7AE-C2B1-4A37-B703-D77DF16B43E9}"/>
               </a:ext>
             </a:extLst>
           </p:cNvPr>
@@ -4799,13 +5140,16 @@
         </p:nvSpPr>
         <p:spPr/>
         <p:txBody>
-          <a:bodyPr/>
-          <a:lstStyle/>
-          <a:p>
-            <a:r>
-              <a:rPr lang="en-US" dirty="0"/>
-              <a:t>Overall Results:</a:t>
-            </a:r>
+          <a:bodyPr>
+            <a:normAutofit/>
+          </a:bodyPr>
+          <a:lstStyle/>
+          <a:p>
+            <a:r>
+              <a:rPr lang="en-US" sz="2800" dirty="0" smtClean="0"/>
+              <a:t>Moving ON To PRE-Trained Models WITH 32 DOG BREEDS</a:t>
+            </a:r>
+            <a:endParaRPr lang="en-US" sz="2800" dirty="0"/>
           </a:p>
         </p:txBody>
       </p:sp>
@@ -4814,7 +5158,7 @@
           <p:cNvPr id="3" name="Content Placeholder 2">
             <a:extLst>
               <a:ext uri="{FF2B5EF4-FFF2-40B4-BE49-F238E27FC236}">
-                <a16:creationId xmlns:a16="http://schemas.microsoft.com/office/drawing/2014/main" id="{AE6387B6-6CAF-4772-A964-6735ADDD9F76}"/>
+                <a16:creationId xmlns:a16="http://schemas.microsoft.com/office/drawing/2014/main" xmlns="" id="{6192631C-5B3B-4E58-86C2-4CE87B149FB4}"/>
               </a:ext>
             </a:extLst>
           </p:cNvPr>
@@ -4837,7 +5181,7 @@
     </p:spTree>
     <p:extLst>
       <p:ext uri="{BB962C8B-B14F-4D97-AF65-F5344CB8AC3E}">
-        <p14:creationId xmlns:p14="http://schemas.microsoft.com/office/powerpoint/2010/main" val="2096848114"/>
+        <p14:creationId xmlns:p14="http://schemas.microsoft.com/office/powerpoint/2010/main" val="1143761847"/>
       </p:ext>
     </p:extLst>
   </p:cSld>
